--- a/강의자료(ppt)/Chap16-멀티스레딩.pptx
+++ b/강의자료(ppt)/Chap16-멀티스레딩.pptx
@@ -5,10 +5,10 @@
     <p:sldMasterId id="2147483715" r:id="rId1"/>
   </p:sldMasterIdLst>
   <p:notesMasterIdLst>
-    <p:notesMasterId r:id="rId46"/>
+    <p:notesMasterId r:id="rId47"/>
   </p:notesMasterIdLst>
   <p:handoutMasterIdLst>
-    <p:handoutMasterId r:id="rId47"/>
+    <p:handoutMasterId r:id="rId48"/>
   </p:handoutMasterIdLst>
   <p:sldIdLst>
     <p:sldId id="256" r:id="rId2"/>
@@ -54,7 +54,8 @@
     <p:sldId id="318" r:id="rId42"/>
     <p:sldId id="319" r:id="rId43"/>
     <p:sldId id="299" r:id="rId44"/>
-    <p:sldId id="322" r:id="rId45"/>
+    <p:sldId id="325" r:id="rId45"/>
+    <p:sldId id="322" r:id="rId46"/>
   </p:sldIdLst>
   <p:sldSz cx="9144000" cy="6858000" type="screen4x3"/>
   <p:notesSz cx="6934200" cy="9220200"/>
@@ -907,6 +908,96 @@
     </a:lvl9pPr>
   </p:notesStyle>
 </p:notesMaster>
+</file>
+
+<file path=ppt/notesSlides/notesSlide1.xml><?xml version="1.0" encoding="utf-8"?>
+<p:notes xmlns:a="http://schemas.openxmlformats.org/drawingml/2006/main" xmlns:r="http://schemas.openxmlformats.org/officeDocument/2006/relationships" xmlns:p="http://schemas.openxmlformats.org/presentationml/2006/main">
+  <p:cSld>
+    <p:spTree>
+      <p:nvGrpSpPr>
+        <p:cNvPr id="1" name=""/>
+        <p:cNvGrpSpPr/>
+        <p:nvPr/>
+      </p:nvGrpSpPr>
+      <p:grpSpPr>
+        <a:xfrm>
+          <a:off x="0" y="0"/>
+          <a:ext cx="0" cy="0"/>
+          <a:chOff x="0" y="0"/>
+          <a:chExt cx="0" cy="0"/>
+        </a:xfrm>
+      </p:grpSpPr>
+      <p:sp>
+        <p:nvSpPr>
+          <p:cNvPr id="2" name="슬라이드 이미지 개체 틀 1"/>
+          <p:cNvSpPr>
+            <a:spLocks noGrp="1" noRot="1" noChangeAspect="1"/>
+          </p:cNvSpPr>
+          <p:nvPr>
+            <p:ph type="sldImg"/>
+          </p:nvPr>
+        </p:nvSpPr>
+        <p:spPr/>
+      </p:sp>
+      <p:sp>
+        <p:nvSpPr>
+          <p:cNvPr id="3" name="슬라이드 노트 개체 틀 2"/>
+          <p:cNvSpPr>
+            <a:spLocks noGrp="1"/>
+          </p:cNvSpPr>
+          <p:nvPr>
+            <p:ph type="body" idx="1"/>
+          </p:nvPr>
+        </p:nvSpPr>
+        <p:spPr/>
+        <p:txBody>
+          <a:bodyPr/>
+          <a:lstStyle/>
+          <a:p>
+            <a:endParaRPr lang="ko-KR" altLang="en-US" dirty="0"/>
+          </a:p>
+        </p:txBody>
+      </p:sp>
+      <p:sp>
+        <p:nvSpPr>
+          <p:cNvPr id="4" name="슬라이드 번호 개체 틀 3"/>
+          <p:cNvSpPr>
+            <a:spLocks noGrp="1"/>
+          </p:cNvSpPr>
+          <p:nvPr>
+            <p:ph type="sldNum" sz="quarter" idx="5"/>
+          </p:nvPr>
+        </p:nvSpPr>
+        <p:spPr/>
+        <p:txBody>
+          <a:bodyPr/>
+          <a:lstStyle/>
+          <a:p>
+            <a:pPr>
+              <a:defRPr lang="ko-KR"/>
+            </a:pPr>
+            <a:fld id="{26310CAF-CE29-447E-9E04-5F28250F8A37}" type="slidenum">
+              <a:rPr lang="ko-KR" altLang="en-US" smtClean="0"/>
+              <a:pPr>
+                <a:defRPr lang="ko-KR"/>
+              </a:pPr>
+              <a:t>44</a:t>
+            </a:fld>
+            <a:endParaRPr lang="en-US" altLang="ko-KR"/>
+          </a:p>
+        </p:txBody>
+      </p:sp>
+    </p:spTree>
+    <p:extLst>
+      <p:ext uri="{BB962C8B-B14F-4D97-AF65-F5344CB8AC3E}">
+        <p14:creationId xmlns:p14="http://schemas.microsoft.com/office/powerpoint/2010/main" val="3498005788"/>
+      </p:ext>
+    </p:extLst>
+  </p:cSld>
+  <p:clrMapOvr>
+    <a:masterClrMapping/>
+  </p:clrMapOvr>
+</p:notes>
 </file>
 
 <file path=ppt/slideLayouts/slideLayout1.xml><?xml version="1.0" encoding="utf-8"?>
@@ -2611,7 +2702,7 @@
             <a:fld id="{11B2AAEE-0ECC-4F9E-94C1-A5210D63F3AE}" type="datetimeFigureOut">
               <a:rPr lang="en-US" smtClean="0"/>
               <a:pPr/>
-              <a:t>4/6/2021</a:t>
+              <a:t>4/8/2021</a:t>
             </a:fld>
             <a:endParaRPr lang="en-US"/>
           </a:p>
@@ -4297,7 +4388,7 @@
             <a:fld id="{11B2AAEE-0ECC-4F9E-94C1-A5210D63F3AE}" type="datetimeFigureOut">
               <a:rPr lang="en-US" smtClean="0"/>
               <a:pPr/>
-              <a:t>4/6/2021</a:t>
+              <a:t>4/8/2021</a:t>
             </a:fld>
             <a:endParaRPr lang="en-US"/>
           </a:p>
@@ -5991,7 +6082,7 @@
             <a:fld id="{11B2AAEE-0ECC-4F9E-94C1-A5210D63F3AE}" type="datetimeFigureOut">
               <a:rPr lang="en-US" smtClean="0"/>
               <a:pPr/>
-              <a:t>4/6/2021</a:t>
+              <a:t>4/8/2021</a:t>
             </a:fld>
             <a:endParaRPr lang="en-US"/>
           </a:p>
@@ -6325,7 +6416,7 @@
             <a:fld id="{11B2AAEE-0ECC-4F9E-94C1-A5210D63F3AE}" type="datetimeFigureOut">
               <a:rPr lang="en-US" smtClean="0"/>
               <a:pPr/>
-              <a:t>4/6/2021</a:t>
+              <a:t>4/8/2021</a:t>
             </a:fld>
             <a:endParaRPr lang="en-US"/>
           </a:p>
@@ -8086,7 +8177,7 @@
             <a:fld id="{11B2AAEE-0ECC-4F9E-94C1-A5210D63F3AE}" type="datetimeFigureOut">
               <a:rPr lang="en-US" smtClean="0"/>
               <a:pPr/>
-              <a:t>4/6/2021</a:t>
+              <a:t>4/8/2021</a:t>
             </a:fld>
             <a:endParaRPr lang="en-US"/>
           </a:p>
@@ -9086,7 +9177,7 @@
             <a:fld id="{11B2AAEE-0ECC-4F9E-94C1-A5210D63F3AE}" type="datetimeFigureOut">
               <a:rPr lang="en-US" smtClean="0"/>
               <a:pPr/>
-              <a:t>4/6/2021</a:t>
+              <a:t>4/8/2021</a:t>
             </a:fld>
             <a:endParaRPr lang="en-US"/>
           </a:p>
@@ -9364,7 +9455,7 @@
             <a:fld id="{11B2AAEE-0ECC-4F9E-94C1-A5210D63F3AE}" type="datetimeFigureOut">
               <a:rPr lang="en-US" smtClean="0"/>
               <a:pPr/>
-              <a:t>4/6/2021</a:t>
+              <a:t>4/8/2021</a:t>
             </a:fld>
             <a:endParaRPr lang="en-US"/>
           </a:p>
@@ -10474,7 +10565,7 @@
             <a:fld id="{11B2AAEE-0ECC-4F9E-94C1-A5210D63F3AE}" type="datetimeFigureOut">
               <a:rPr lang="en-US" smtClean="0"/>
               <a:pPr/>
-              <a:t>4/6/2021</a:t>
+              <a:t>4/8/2021</a:t>
             </a:fld>
             <a:endParaRPr lang="en-US"/>
           </a:p>
@@ -11460,7 +11551,7 @@
             <a:fld id="{11B2AAEE-0ECC-4F9E-94C1-A5210D63F3AE}" type="datetimeFigureOut">
               <a:rPr lang="en-US" smtClean="0"/>
               <a:pPr/>
-              <a:t>4/6/2021</a:t>
+              <a:t>4/8/2021</a:t>
             </a:fld>
             <a:endParaRPr lang="en-US"/>
           </a:p>
@@ -14980,7 +15071,7 @@
             <a:fld id="{11B2AAEE-0ECC-4F9E-94C1-A5210D63F3AE}" type="datetimeFigureOut">
               <a:rPr lang="en-US" smtClean="0"/>
               <a:pPr/>
-              <a:t>4/6/2021</a:t>
+              <a:t>4/8/2021</a:t>
             </a:fld>
             <a:endParaRPr lang="en-US"/>
           </a:p>
@@ -15259,7 +15350,7 @@
             <a:fld id="{11B2AAEE-0ECC-4F9E-94C1-A5210D63F3AE}" type="datetimeFigureOut">
               <a:rPr lang="en-US" smtClean="0"/>
               <a:pPr/>
-              <a:t>4/6/2021</a:t>
+              <a:t>4/8/2021</a:t>
             </a:fld>
             <a:endParaRPr lang="en-US"/>
           </a:p>
@@ -18029,7 +18120,7 @@
               <a:pPr lvl="0">
                 <a:defRPr lang="ko-KR" altLang="en-US"/>
               </a:pPr>
-              <a:t>4/6/2021</a:t>
+              <a:t>4/8/2021</a:t>
             </a:fld>
             <a:endParaRPr lang="en-US"/>
           </a:p>
@@ -19186,8 +19277,8 @@
           </a:p>
         </p:txBody>
       </p:sp>
-      <mc:AlternateContent xmlns:mc="http://schemas.openxmlformats.org/markup-compatibility/2006">
-        <mc:Choice xmlns:p14="http://schemas.microsoft.com/office/powerpoint/2010/main" Requires="p14">
+      <mc:AlternateContent xmlns:mc="http://schemas.openxmlformats.org/markup-compatibility/2006" xmlns:p14="http://schemas.microsoft.com/office/powerpoint/2010/main">
+        <mc:Choice Requires="p14">
           <p:contentPart p14:bwMode="auto" r:id="rId3">
             <p14:nvContentPartPr>
               <p14:cNvPr id="3" name="잉크 2">
@@ -19206,7 +19297,7 @@
             </p14:xfrm>
           </p:contentPart>
         </mc:Choice>
-        <mc:Fallback>
+        <mc:Fallback xmlns="">
           <p:pic>
             <p:nvPicPr>
               <p:cNvPr id="3" name="잉크 2">
@@ -39663,6 +39754,1215 @@
       </p:grpSpPr>
       <p:sp>
         <p:nvSpPr>
+          <p:cNvPr id="3" name="제목 2">
+            <a:extLst>
+              <a:ext uri="{FF2B5EF4-FFF2-40B4-BE49-F238E27FC236}">
+                <a16:creationId xmlns:a16="http://schemas.microsoft.com/office/drawing/2014/main" id="{C15D1A19-CB9B-4E32-9D3D-8391D2F693B9}"/>
+              </a:ext>
+            </a:extLst>
+          </p:cNvPr>
+          <p:cNvSpPr>
+            <a:spLocks noGrp="1"/>
+          </p:cNvSpPr>
+          <p:nvPr>
+            <p:ph type="title"/>
+          </p:nvPr>
+        </p:nvSpPr>
+        <p:spPr/>
+        <p:txBody>
+          <a:bodyPr/>
+          <a:lstStyle/>
+          <a:p>
+            <a:r>
+              <a:rPr lang="en-US" altLang="ko-KR" dirty="0"/>
+              <a:t>Pipe &amp; Filter Architecture Pattern</a:t>
+            </a:r>
+            <a:endParaRPr lang="ko-KR" altLang="en-US" dirty="0"/>
+          </a:p>
+        </p:txBody>
+      </p:sp>
+      <p:sp>
+        <p:nvSpPr>
+          <p:cNvPr id="4" name="타원 3">
+            <a:extLst>
+              <a:ext uri="{FF2B5EF4-FFF2-40B4-BE49-F238E27FC236}">
+                <a16:creationId xmlns:a16="http://schemas.microsoft.com/office/drawing/2014/main" id="{01205805-AF55-4CCE-827E-7CB1BAF620B0}"/>
+              </a:ext>
+            </a:extLst>
+          </p:cNvPr>
+          <p:cNvSpPr/>
+          <p:nvPr/>
+        </p:nvSpPr>
+        <p:spPr>
+          <a:xfrm>
+            <a:off x="843110" y="1605012"/>
+            <a:ext cx="702644" cy="1039528"/>
+          </a:xfrm>
+          <a:prstGeom prst="ellipse">
+            <a:avLst/>
+          </a:prstGeom>
+          <a:ln w="12700">
+            <a:solidFill>
+              <a:schemeClr val="tx1"/>
+            </a:solidFill>
+          </a:ln>
+        </p:spPr>
+        <p:style>
+          <a:lnRef idx="2">
+            <a:schemeClr val="accent1">
+              <a:shade val="50000"/>
+            </a:schemeClr>
+          </a:lnRef>
+          <a:fillRef idx="1">
+            <a:schemeClr val="accent1"/>
+          </a:fillRef>
+          <a:effectRef idx="0">
+            <a:schemeClr val="accent1"/>
+          </a:effectRef>
+          <a:fontRef idx="minor">
+            <a:schemeClr val="lt1"/>
+          </a:fontRef>
+        </p:style>
+        <p:txBody>
+          <a:bodyPr rtlCol="0" anchor="ctr"/>
+          <a:lstStyle/>
+          <a:p>
+            <a:pPr algn="ctr"/>
+            <a:endParaRPr lang="ko-KR" altLang="en-US" sz="1600" dirty="0">
+              <a:solidFill>
+                <a:schemeClr val="tx1">
+                  <a:lumMod val="75000"/>
+                  <a:lumOff val="25000"/>
+                </a:schemeClr>
+              </a:solidFill>
+              <a:latin typeface="HY바다L" pitchFamily="18" charset="-127"/>
+              <a:ea typeface="HY바다L" pitchFamily="18" charset="-127"/>
+            </a:endParaRPr>
+          </a:p>
+        </p:txBody>
+      </p:sp>
+      <p:sp>
+        <p:nvSpPr>
+          <p:cNvPr id="5" name="직사각형 4">
+            <a:extLst>
+              <a:ext uri="{FF2B5EF4-FFF2-40B4-BE49-F238E27FC236}">
+                <a16:creationId xmlns:a16="http://schemas.microsoft.com/office/drawing/2014/main" id="{7C3896A1-1EE2-498C-A1AB-957404E4148B}"/>
+              </a:ext>
+            </a:extLst>
+          </p:cNvPr>
+          <p:cNvSpPr/>
+          <p:nvPr/>
+        </p:nvSpPr>
+        <p:spPr>
+          <a:xfrm>
+            <a:off x="1545753" y="2047774"/>
+            <a:ext cx="875899" cy="163629"/>
+          </a:xfrm>
+          <a:prstGeom prst="rect">
+            <a:avLst/>
+          </a:prstGeom>
+          <a:ln w="12700">
+            <a:solidFill>
+              <a:schemeClr val="tx1"/>
+            </a:solidFill>
+          </a:ln>
+        </p:spPr>
+        <p:style>
+          <a:lnRef idx="2">
+            <a:schemeClr val="accent1">
+              <a:shade val="50000"/>
+            </a:schemeClr>
+          </a:lnRef>
+          <a:fillRef idx="1">
+            <a:schemeClr val="accent1"/>
+          </a:fillRef>
+          <a:effectRef idx="0">
+            <a:schemeClr val="accent1"/>
+          </a:effectRef>
+          <a:fontRef idx="minor">
+            <a:schemeClr val="lt1"/>
+          </a:fontRef>
+        </p:style>
+        <p:txBody>
+          <a:bodyPr rtlCol="0" anchor="ctr"/>
+          <a:lstStyle/>
+          <a:p>
+            <a:pPr algn="ctr"/>
+            <a:endParaRPr lang="ko-KR" altLang="en-US" sz="1600" dirty="0">
+              <a:solidFill>
+                <a:schemeClr val="tx1">
+                  <a:lumMod val="75000"/>
+                  <a:lumOff val="25000"/>
+                </a:schemeClr>
+              </a:solidFill>
+              <a:latin typeface="HY바다L" pitchFamily="18" charset="-127"/>
+              <a:ea typeface="HY바다L" pitchFamily="18" charset="-127"/>
+            </a:endParaRPr>
+          </a:p>
+        </p:txBody>
+      </p:sp>
+      <p:sp>
+        <p:nvSpPr>
+          <p:cNvPr id="6" name="직사각형 5">
+            <a:extLst>
+              <a:ext uri="{FF2B5EF4-FFF2-40B4-BE49-F238E27FC236}">
+                <a16:creationId xmlns:a16="http://schemas.microsoft.com/office/drawing/2014/main" id="{5A84F327-452E-4A73-93B4-AE3E1F6F18C8}"/>
+              </a:ext>
+            </a:extLst>
+          </p:cNvPr>
+          <p:cNvSpPr/>
+          <p:nvPr/>
+        </p:nvSpPr>
+        <p:spPr>
+          <a:xfrm>
+            <a:off x="2421652" y="1335504"/>
+            <a:ext cx="962526" cy="1424539"/>
+          </a:xfrm>
+          <a:prstGeom prst="rect">
+            <a:avLst/>
+          </a:prstGeom>
+          <a:ln w="12700">
+            <a:solidFill>
+              <a:schemeClr val="tx1"/>
+            </a:solidFill>
+          </a:ln>
+        </p:spPr>
+        <p:style>
+          <a:lnRef idx="2">
+            <a:schemeClr val="accent1">
+              <a:shade val="50000"/>
+            </a:schemeClr>
+          </a:lnRef>
+          <a:fillRef idx="1">
+            <a:schemeClr val="accent1"/>
+          </a:fillRef>
+          <a:effectRef idx="0">
+            <a:schemeClr val="accent1"/>
+          </a:effectRef>
+          <a:fontRef idx="minor">
+            <a:schemeClr val="lt1"/>
+          </a:fontRef>
+        </p:style>
+        <p:txBody>
+          <a:bodyPr rtlCol="0" anchor="ctr"/>
+          <a:lstStyle/>
+          <a:p>
+            <a:pPr algn="ctr"/>
+            <a:endParaRPr lang="ko-KR" altLang="en-US" sz="1600" dirty="0">
+              <a:solidFill>
+                <a:schemeClr val="tx1">
+                  <a:lumMod val="75000"/>
+                  <a:lumOff val="25000"/>
+                </a:schemeClr>
+              </a:solidFill>
+              <a:latin typeface="HY바다L" pitchFamily="18" charset="-127"/>
+              <a:ea typeface="HY바다L" pitchFamily="18" charset="-127"/>
+            </a:endParaRPr>
+          </a:p>
+        </p:txBody>
+      </p:sp>
+      <p:sp>
+        <p:nvSpPr>
+          <p:cNvPr id="7" name="이등변 삼각형 6">
+            <a:extLst>
+              <a:ext uri="{FF2B5EF4-FFF2-40B4-BE49-F238E27FC236}">
+                <a16:creationId xmlns:a16="http://schemas.microsoft.com/office/drawing/2014/main" id="{E826D486-5181-4B69-B369-69EBCEB13A31}"/>
+              </a:ext>
+            </a:extLst>
+          </p:cNvPr>
+          <p:cNvSpPr/>
+          <p:nvPr/>
+        </p:nvSpPr>
+        <p:spPr>
+          <a:xfrm>
+            <a:off x="4927428" y="1143000"/>
+            <a:ext cx="433137" cy="462012"/>
+          </a:xfrm>
+          <a:prstGeom prst="triangle">
+            <a:avLst/>
+          </a:prstGeom>
+          <a:ln w="12700">
+            <a:solidFill>
+              <a:schemeClr val="tx1"/>
+            </a:solidFill>
+          </a:ln>
+        </p:spPr>
+        <p:style>
+          <a:lnRef idx="2">
+            <a:schemeClr val="accent1">
+              <a:shade val="50000"/>
+            </a:schemeClr>
+          </a:lnRef>
+          <a:fillRef idx="1">
+            <a:schemeClr val="accent1"/>
+          </a:fillRef>
+          <a:effectRef idx="0">
+            <a:schemeClr val="accent1"/>
+          </a:effectRef>
+          <a:fontRef idx="minor">
+            <a:schemeClr val="lt1"/>
+          </a:fontRef>
+        </p:style>
+        <p:txBody>
+          <a:bodyPr rtlCol="0" anchor="ctr"/>
+          <a:lstStyle/>
+          <a:p>
+            <a:pPr algn="ctr"/>
+            <a:endParaRPr lang="ko-KR" altLang="en-US" sz="1600" dirty="0">
+              <a:solidFill>
+                <a:schemeClr val="tx1">
+                  <a:lumMod val="75000"/>
+                  <a:lumOff val="25000"/>
+                </a:schemeClr>
+              </a:solidFill>
+              <a:latin typeface="HY바다L" pitchFamily="18" charset="-127"/>
+              <a:ea typeface="HY바다L" pitchFamily="18" charset="-127"/>
+            </a:endParaRPr>
+          </a:p>
+        </p:txBody>
+      </p:sp>
+      <p:sp>
+        <p:nvSpPr>
+          <p:cNvPr id="8" name="이등변 삼각형 7">
+            <a:extLst>
+              <a:ext uri="{FF2B5EF4-FFF2-40B4-BE49-F238E27FC236}">
+                <a16:creationId xmlns:a16="http://schemas.microsoft.com/office/drawing/2014/main" id="{CDA2DD9D-94DD-4E6C-8143-656A34AD6599}"/>
+              </a:ext>
+            </a:extLst>
+          </p:cNvPr>
+          <p:cNvSpPr/>
+          <p:nvPr/>
+        </p:nvSpPr>
+        <p:spPr>
+          <a:xfrm>
+            <a:off x="4927427" y="2112744"/>
+            <a:ext cx="433137" cy="462012"/>
+          </a:xfrm>
+          <a:prstGeom prst="triangle">
+            <a:avLst/>
+          </a:prstGeom>
+          <a:ln w="12700">
+            <a:solidFill>
+              <a:schemeClr val="tx1"/>
+            </a:solidFill>
+          </a:ln>
+        </p:spPr>
+        <p:style>
+          <a:lnRef idx="2">
+            <a:schemeClr val="accent1">
+              <a:shade val="50000"/>
+            </a:schemeClr>
+          </a:lnRef>
+          <a:fillRef idx="1">
+            <a:schemeClr val="accent1"/>
+          </a:fillRef>
+          <a:effectRef idx="0">
+            <a:schemeClr val="accent1"/>
+          </a:effectRef>
+          <a:fontRef idx="minor">
+            <a:schemeClr val="lt1"/>
+          </a:fontRef>
+        </p:style>
+        <p:txBody>
+          <a:bodyPr rtlCol="0" anchor="ctr"/>
+          <a:lstStyle/>
+          <a:p>
+            <a:pPr algn="ctr"/>
+            <a:endParaRPr lang="ko-KR" altLang="en-US" sz="1600" dirty="0">
+              <a:solidFill>
+                <a:schemeClr val="tx1">
+                  <a:lumMod val="75000"/>
+                  <a:lumOff val="25000"/>
+                </a:schemeClr>
+              </a:solidFill>
+              <a:latin typeface="HY바다L" pitchFamily="18" charset="-127"/>
+              <a:ea typeface="HY바다L" pitchFamily="18" charset="-127"/>
+            </a:endParaRPr>
+          </a:p>
+        </p:txBody>
+      </p:sp>
+      <p:sp>
+        <p:nvSpPr>
+          <p:cNvPr id="9" name="직사각형 8">
+            <a:extLst>
+              <a:ext uri="{FF2B5EF4-FFF2-40B4-BE49-F238E27FC236}">
+                <a16:creationId xmlns:a16="http://schemas.microsoft.com/office/drawing/2014/main" id="{79F907CB-5D31-4602-811F-F5016C6F82A3}"/>
+              </a:ext>
+            </a:extLst>
+          </p:cNvPr>
+          <p:cNvSpPr/>
+          <p:nvPr/>
+        </p:nvSpPr>
+        <p:spPr>
+          <a:xfrm>
+            <a:off x="3384178" y="2423159"/>
+            <a:ext cx="1543250" cy="139565"/>
+          </a:xfrm>
+          <a:prstGeom prst="rect">
+            <a:avLst/>
+          </a:prstGeom>
+          <a:ln w="12700">
+            <a:solidFill>
+              <a:schemeClr val="tx1"/>
+            </a:solidFill>
+          </a:ln>
+        </p:spPr>
+        <p:style>
+          <a:lnRef idx="2">
+            <a:schemeClr val="accent1">
+              <a:shade val="50000"/>
+            </a:schemeClr>
+          </a:lnRef>
+          <a:fillRef idx="1">
+            <a:schemeClr val="accent1"/>
+          </a:fillRef>
+          <a:effectRef idx="0">
+            <a:schemeClr val="accent1"/>
+          </a:effectRef>
+          <a:fontRef idx="minor">
+            <a:schemeClr val="lt1"/>
+          </a:fontRef>
+        </p:style>
+        <p:txBody>
+          <a:bodyPr rtlCol="0" anchor="ctr"/>
+          <a:lstStyle/>
+          <a:p>
+            <a:pPr algn="ctr"/>
+            <a:endParaRPr lang="ko-KR" altLang="en-US" sz="1600" dirty="0">
+              <a:solidFill>
+                <a:schemeClr val="tx1">
+                  <a:lumMod val="75000"/>
+                  <a:lumOff val="25000"/>
+                </a:schemeClr>
+              </a:solidFill>
+              <a:latin typeface="HY바다L" pitchFamily="18" charset="-127"/>
+              <a:ea typeface="HY바다L" pitchFamily="18" charset="-127"/>
+            </a:endParaRPr>
+          </a:p>
+        </p:txBody>
+      </p:sp>
+      <p:sp>
+        <p:nvSpPr>
+          <p:cNvPr id="10" name="직사각형 9">
+            <a:extLst>
+              <a:ext uri="{FF2B5EF4-FFF2-40B4-BE49-F238E27FC236}">
+                <a16:creationId xmlns:a16="http://schemas.microsoft.com/office/drawing/2014/main" id="{92C4F1F7-EF08-4612-AD7D-5DF4343755B0}"/>
+              </a:ext>
+            </a:extLst>
+          </p:cNvPr>
+          <p:cNvSpPr/>
+          <p:nvPr/>
+        </p:nvSpPr>
+        <p:spPr>
+          <a:xfrm>
+            <a:off x="3384178" y="1465449"/>
+            <a:ext cx="1543250" cy="139564"/>
+          </a:xfrm>
+          <a:prstGeom prst="rect">
+            <a:avLst/>
+          </a:prstGeom>
+          <a:ln w="12700">
+            <a:solidFill>
+              <a:schemeClr val="tx1"/>
+            </a:solidFill>
+          </a:ln>
+        </p:spPr>
+        <p:style>
+          <a:lnRef idx="2">
+            <a:schemeClr val="accent1">
+              <a:shade val="50000"/>
+            </a:schemeClr>
+          </a:lnRef>
+          <a:fillRef idx="1">
+            <a:schemeClr val="accent1"/>
+          </a:fillRef>
+          <a:effectRef idx="0">
+            <a:schemeClr val="accent1"/>
+          </a:effectRef>
+          <a:fontRef idx="minor">
+            <a:schemeClr val="lt1"/>
+          </a:fontRef>
+        </p:style>
+        <p:txBody>
+          <a:bodyPr rtlCol="0" anchor="ctr"/>
+          <a:lstStyle/>
+          <a:p>
+            <a:pPr algn="ctr"/>
+            <a:endParaRPr lang="ko-KR" altLang="en-US" sz="1600" dirty="0">
+              <a:solidFill>
+                <a:schemeClr val="tx1">
+                  <a:lumMod val="75000"/>
+                  <a:lumOff val="25000"/>
+                </a:schemeClr>
+              </a:solidFill>
+              <a:latin typeface="HY바다L" pitchFamily="18" charset="-127"/>
+              <a:ea typeface="HY바다L" pitchFamily="18" charset="-127"/>
+            </a:endParaRPr>
+          </a:p>
+        </p:txBody>
+      </p:sp>
+      <p:sp>
+        <p:nvSpPr>
+          <p:cNvPr id="11" name="타원 10">
+            <a:extLst>
+              <a:ext uri="{FF2B5EF4-FFF2-40B4-BE49-F238E27FC236}">
+                <a16:creationId xmlns:a16="http://schemas.microsoft.com/office/drawing/2014/main" id="{5B741E45-E051-4D3A-BC6A-225968CF896B}"/>
+              </a:ext>
+            </a:extLst>
+          </p:cNvPr>
+          <p:cNvSpPr/>
+          <p:nvPr/>
+        </p:nvSpPr>
+        <p:spPr>
+          <a:xfrm>
+            <a:off x="843110" y="5175982"/>
+            <a:ext cx="702644" cy="1039528"/>
+          </a:xfrm>
+          <a:prstGeom prst="ellipse">
+            <a:avLst/>
+          </a:prstGeom>
+          <a:ln w="12700">
+            <a:solidFill>
+              <a:schemeClr val="tx1"/>
+            </a:solidFill>
+          </a:ln>
+        </p:spPr>
+        <p:style>
+          <a:lnRef idx="2">
+            <a:schemeClr val="accent1">
+              <a:shade val="50000"/>
+            </a:schemeClr>
+          </a:lnRef>
+          <a:fillRef idx="1">
+            <a:schemeClr val="accent1"/>
+          </a:fillRef>
+          <a:effectRef idx="0">
+            <a:schemeClr val="accent1"/>
+          </a:effectRef>
+          <a:fontRef idx="minor">
+            <a:schemeClr val="lt1"/>
+          </a:fontRef>
+        </p:style>
+        <p:txBody>
+          <a:bodyPr rtlCol="0" anchor="ctr"/>
+          <a:lstStyle/>
+          <a:p>
+            <a:pPr algn="ctr"/>
+            <a:endParaRPr lang="ko-KR" altLang="en-US" sz="1600" dirty="0">
+              <a:solidFill>
+                <a:schemeClr val="tx1">
+                  <a:lumMod val="75000"/>
+                  <a:lumOff val="25000"/>
+                </a:schemeClr>
+              </a:solidFill>
+              <a:latin typeface="HY바다L" pitchFamily="18" charset="-127"/>
+              <a:ea typeface="HY바다L" pitchFamily="18" charset="-127"/>
+            </a:endParaRPr>
+          </a:p>
+        </p:txBody>
+      </p:sp>
+      <p:sp>
+        <p:nvSpPr>
+          <p:cNvPr id="12" name="직사각형 11">
+            <a:extLst>
+              <a:ext uri="{FF2B5EF4-FFF2-40B4-BE49-F238E27FC236}">
+                <a16:creationId xmlns:a16="http://schemas.microsoft.com/office/drawing/2014/main" id="{A51DB6CF-FBC4-4D54-BD35-F2227B470436}"/>
+              </a:ext>
+            </a:extLst>
+          </p:cNvPr>
+          <p:cNvSpPr/>
+          <p:nvPr/>
+        </p:nvSpPr>
+        <p:spPr>
+          <a:xfrm>
+            <a:off x="1545753" y="5618744"/>
+            <a:ext cx="875899" cy="163629"/>
+          </a:xfrm>
+          <a:prstGeom prst="rect">
+            <a:avLst/>
+          </a:prstGeom>
+          <a:ln w="12700">
+            <a:solidFill>
+              <a:schemeClr val="tx1"/>
+            </a:solidFill>
+          </a:ln>
+        </p:spPr>
+        <p:style>
+          <a:lnRef idx="2">
+            <a:schemeClr val="accent1">
+              <a:shade val="50000"/>
+            </a:schemeClr>
+          </a:lnRef>
+          <a:fillRef idx="1">
+            <a:schemeClr val="accent1"/>
+          </a:fillRef>
+          <a:effectRef idx="0">
+            <a:schemeClr val="accent1"/>
+          </a:effectRef>
+          <a:fontRef idx="minor">
+            <a:schemeClr val="lt1"/>
+          </a:fontRef>
+        </p:style>
+        <p:txBody>
+          <a:bodyPr rtlCol="0" anchor="ctr"/>
+          <a:lstStyle/>
+          <a:p>
+            <a:pPr algn="ctr"/>
+            <a:endParaRPr lang="ko-KR" altLang="en-US" sz="1600" dirty="0">
+              <a:solidFill>
+                <a:schemeClr val="tx1">
+                  <a:lumMod val="75000"/>
+                  <a:lumOff val="25000"/>
+                </a:schemeClr>
+              </a:solidFill>
+              <a:latin typeface="HY바다L" pitchFamily="18" charset="-127"/>
+              <a:ea typeface="HY바다L" pitchFamily="18" charset="-127"/>
+            </a:endParaRPr>
+          </a:p>
+        </p:txBody>
+      </p:sp>
+      <p:sp>
+        <p:nvSpPr>
+          <p:cNvPr id="13" name="직사각형 12">
+            <a:extLst>
+              <a:ext uri="{FF2B5EF4-FFF2-40B4-BE49-F238E27FC236}">
+                <a16:creationId xmlns:a16="http://schemas.microsoft.com/office/drawing/2014/main" id="{F8624F7F-A1C5-49AD-A8C1-67E0354425D8}"/>
+              </a:ext>
+            </a:extLst>
+          </p:cNvPr>
+          <p:cNvSpPr/>
+          <p:nvPr/>
+        </p:nvSpPr>
+        <p:spPr>
+          <a:xfrm>
+            <a:off x="2421652" y="4421038"/>
+            <a:ext cx="962526" cy="1424539"/>
+          </a:xfrm>
+          <a:prstGeom prst="rect">
+            <a:avLst/>
+          </a:prstGeom>
+          <a:ln w="12700">
+            <a:solidFill>
+              <a:schemeClr val="tx1"/>
+            </a:solidFill>
+          </a:ln>
+        </p:spPr>
+        <p:style>
+          <a:lnRef idx="2">
+            <a:schemeClr val="accent1">
+              <a:shade val="50000"/>
+            </a:schemeClr>
+          </a:lnRef>
+          <a:fillRef idx="1">
+            <a:schemeClr val="accent1"/>
+          </a:fillRef>
+          <a:effectRef idx="0">
+            <a:schemeClr val="accent1"/>
+          </a:effectRef>
+          <a:fontRef idx="minor">
+            <a:schemeClr val="lt1"/>
+          </a:fontRef>
+        </p:style>
+        <p:txBody>
+          <a:bodyPr rtlCol="0" anchor="ctr"/>
+          <a:lstStyle/>
+          <a:p>
+            <a:pPr algn="ctr"/>
+            <a:endParaRPr lang="ko-KR" altLang="en-US" sz="1600" dirty="0">
+              <a:solidFill>
+                <a:schemeClr val="tx1">
+                  <a:lumMod val="75000"/>
+                  <a:lumOff val="25000"/>
+                </a:schemeClr>
+              </a:solidFill>
+              <a:latin typeface="HY바다L" pitchFamily="18" charset="-127"/>
+              <a:ea typeface="HY바다L" pitchFamily="18" charset="-127"/>
+            </a:endParaRPr>
+          </a:p>
+        </p:txBody>
+      </p:sp>
+      <p:sp>
+        <p:nvSpPr>
+          <p:cNvPr id="14" name="이등변 삼각형 13">
+            <a:extLst>
+              <a:ext uri="{FF2B5EF4-FFF2-40B4-BE49-F238E27FC236}">
+                <a16:creationId xmlns:a16="http://schemas.microsoft.com/office/drawing/2014/main" id="{B3C84699-110B-4027-96DE-1F5277A474D0}"/>
+              </a:ext>
+            </a:extLst>
+          </p:cNvPr>
+          <p:cNvSpPr/>
+          <p:nvPr/>
+        </p:nvSpPr>
+        <p:spPr>
+          <a:xfrm>
+            <a:off x="6765852" y="4245970"/>
+            <a:ext cx="433137" cy="516464"/>
+          </a:xfrm>
+          <a:prstGeom prst="triangle">
+            <a:avLst/>
+          </a:prstGeom>
+          <a:ln w="12700">
+            <a:solidFill>
+              <a:schemeClr val="tx1"/>
+            </a:solidFill>
+          </a:ln>
+        </p:spPr>
+        <p:style>
+          <a:lnRef idx="2">
+            <a:schemeClr val="accent1">
+              <a:shade val="50000"/>
+            </a:schemeClr>
+          </a:lnRef>
+          <a:fillRef idx="1">
+            <a:schemeClr val="accent1"/>
+          </a:fillRef>
+          <a:effectRef idx="0">
+            <a:schemeClr val="accent1"/>
+          </a:effectRef>
+          <a:fontRef idx="minor">
+            <a:schemeClr val="lt1"/>
+          </a:fontRef>
+        </p:style>
+        <p:txBody>
+          <a:bodyPr rtlCol="0" anchor="ctr"/>
+          <a:lstStyle/>
+          <a:p>
+            <a:pPr algn="ctr"/>
+            <a:endParaRPr lang="ko-KR" altLang="en-US" sz="1600" dirty="0">
+              <a:solidFill>
+                <a:schemeClr val="tx1">
+                  <a:lumMod val="75000"/>
+                  <a:lumOff val="25000"/>
+                </a:schemeClr>
+              </a:solidFill>
+              <a:latin typeface="HY바다L" pitchFamily="18" charset="-127"/>
+              <a:ea typeface="HY바다L" pitchFamily="18" charset="-127"/>
+            </a:endParaRPr>
+          </a:p>
+        </p:txBody>
+      </p:sp>
+      <p:sp>
+        <p:nvSpPr>
+          <p:cNvPr id="15" name="이등변 삼각형 14">
+            <a:extLst>
+              <a:ext uri="{FF2B5EF4-FFF2-40B4-BE49-F238E27FC236}">
+                <a16:creationId xmlns:a16="http://schemas.microsoft.com/office/drawing/2014/main" id="{AFA4EE7C-FAD7-4642-BB14-682A8A863437}"/>
+              </a:ext>
+            </a:extLst>
+          </p:cNvPr>
+          <p:cNvSpPr/>
+          <p:nvPr/>
+        </p:nvSpPr>
+        <p:spPr>
+          <a:xfrm>
+            <a:off x="6765851" y="5215714"/>
+            <a:ext cx="433137" cy="516464"/>
+          </a:xfrm>
+          <a:prstGeom prst="triangle">
+            <a:avLst/>
+          </a:prstGeom>
+          <a:ln w="12700">
+            <a:solidFill>
+              <a:schemeClr val="tx1"/>
+            </a:solidFill>
+          </a:ln>
+        </p:spPr>
+        <p:style>
+          <a:lnRef idx="2">
+            <a:schemeClr val="accent1">
+              <a:shade val="50000"/>
+            </a:schemeClr>
+          </a:lnRef>
+          <a:fillRef idx="1">
+            <a:schemeClr val="accent1"/>
+          </a:fillRef>
+          <a:effectRef idx="0">
+            <a:schemeClr val="accent1"/>
+          </a:effectRef>
+          <a:fontRef idx="minor">
+            <a:schemeClr val="lt1"/>
+          </a:fontRef>
+        </p:style>
+        <p:txBody>
+          <a:bodyPr rtlCol="0" anchor="ctr"/>
+          <a:lstStyle/>
+          <a:p>
+            <a:pPr algn="ctr"/>
+            <a:endParaRPr lang="ko-KR" altLang="en-US" sz="1600" dirty="0">
+              <a:solidFill>
+                <a:schemeClr val="tx1">
+                  <a:lumMod val="75000"/>
+                  <a:lumOff val="25000"/>
+                </a:schemeClr>
+              </a:solidFill>
+              <a:latin typeface="HY바다L" pitchFamily="18" charset="-127"/>
+              <a:ea typeface="HY바다L" pitchFamily="18" charset="-127"/>
+            </a:endParaRPr>
+          </a:p>
+        </p:txBody>
+      </p:sp>
+      <p:sp>
+        <p:nvSpPr>
+          <p:cNvPr id="16" name="직사각형 15">
+            <a:extLst>
+              <a:ext uri="{FF2B5EF4-FFF2-40B4-BE49-F238E27FC236}">
+                <a16:creationId xmlns:a16="http://schemas.microsoft.com/office/drawing/2014/main" id="{ADF7F437-1967-4BC6-A505-B330288455E6}"/>
+              </a:ext>
+            </a:extLst>
+          </p:cNvPr>
+          <p:cNvSpPr/>
+          <p:nvPr/>
+        </p:nvSpPr>
+        <p:spPr>
+          <a:xfrm>
+            <a:off x="5222602" y="5526129"/>
+            <a:ext cx="1543250" cy="156014"/>
+          </a:xfrm>
+          <a:prstGeom prst="rect">
+            <a:avLst/>
+          </a:prstGeom>
+          <a:ln w="12700">
+            <a:solidFill>
+              <a:schemeClr val="tx1"/>
+            </a:solidFill>
+          </a:ln>
+        </p:spPr>
+        <p:style>
+          <a:lnRef idx="2">
+            <a:schemeClr val="accent1">
+              <a:shade val="50000"/>
+            </a:schemeClr>
+          </a:lnRef>
+          <a:fillRef idx="1">
+            <a:schemeClr val="accent1"/>
+          </a:fillRef>
+          <a:effectRef idx="0">
+            <a:schemeClr val="accent1"/>
+          </a:effectRef>
+          <a:fontRef idx="minor">
+            <a:schemeClr val="lt1"/>
+          </a:fontRef>
+        </p:style>
+        <p:txBody>
+          <a:bodyPr rtlCol="0" anchor="ctr"/>
+          <a:lstStyle/>
+          <a:p>
+            <a:pPr algn="ctr"/>
+            <a:endParaRPr lang="ko-KR" altLang="en-US" sz="1600" dirty="0">
+              <a:solidFill>
+                <a:schemeClr val="tx1">
+                  <a:lumMod val="75000"/>
+                  <a:lumOff val="25000"/>
+                </a:schemeClr>
+              </a:solidFill>
+              <a:latin typeface="HY바다L" pitchFamily="18" charset="-127"/>
+              <a:ea typeface="HY바다L" pitchFamily="18" charset="-127"/>
+            </a:endParaRPr>
+          </a:p>
+        </p:txBody>
+      </p:sp>
+      <p:sp>
+        <p:nvSpPr>
+          <p:cNvPr id="17" name="직사각형 16">
+            <a:extLst>
+              <a:ext uri="{FF2B5EF4-FFF2-40B4-BE49-F238E27FC236}">
+                <a16:creationId xmlns:a16="http://schemas.microsoft.com/office/drawing/2014/main" id="{7AA78830-5898-4E91-8B14-109680BD292C}"/>
+              </a:ext>
+            </a:extLst>
+          </p:cNvPr>
+          <p:cNvSpPr/>
+          <p:nvPr/>
+        </p:nvSpPr>
+        <p:spPr>
+          <a:xfrm>
+            <a:off x="5222602" y="4568418"/>
+            <a:ext cx="1543250" cy="156013"/>
+          </a:xfrm>
+          <a:prstGeom prst="rect">
+            <a:avLst/>
+          </a:prstGeom>
+          <a:ln w="12700">
+            <a:solidFill>
+              <a:schemeClr val="tx1"/>
+            </a:solidFill>
+          </a:ln>
+        </p:spPr>
+        <p:style>
+          <a:lnRef idx="2">
+            <a:schemeClr val="accent1">
+              <a:shade val="50000"/>
+            </a:schemeClr>
+          </a:lnRef>
+          <a:fillRef idx="1">
+            <a:schemeClr val="accent1"/>
+          </a:fillRef>
+          <a:effectRef idx="0">
+            <a:schemeClr val="accent1"/>
+          </a:effectRef>
+          <a:fontRef idx="minor">
+            <a:schemeClr val="lt1"/>
+          </a:fontRef>
+        </p:style>
+        <p:txBody>
+          <a:bodyPr rtlCol="0" anchor="ctr"/>
+          <a:lstStyle/>
+          <a:p>
+            <a:pPr algn="ctr"/>
+            <a:endParaRPr lang="ko-KR" altLang="en-US" sz="1600" dirty="0">
+              <a:solidFill>
+                <a:schemeClr val="tx1">
+                  <a:lumMod val="75000"/>
+                  <a:lumOff val="25000"/>
+                </a:schemeClr>
+              </a:solidFill>
+              <a:latin typeface="HY바다L" pitchFamily="18" charset="-127"/>
+              <a:ea typeface="HY바다L" pitchFamily="18" charset="-127"/>
+            </a:endParaRPr>
+          </a:p>
+        </p:txBody>
+      </p:sp>
+      <p:sp>
+        <p:nvSpPr>
+          <p:cNvPr id="18" name="타원 17">
+            <a:extLst>
+              <a:ext uri="{FF2B5EF4-FFF2-40B4-BE49-F238E27FC236}">
+                <a16:creationId xmlns:a16="http://schemas.microsoft.com/office/drawing/2014/main" id="{58129E68-4DEF-4357-BE54-E56674AAC2F7}"/>
+              </a:ext>
+            </a:extLst>
+          </p:cNvPr>
+          <p:cNvSpPr/>
+          <p:nvPr/>
+        </p:nvSpPr>
+        <p:spPr>
+          <a:xfrm>
+            <a:off x="843110" y="3992075"/>
+            <a:ext cx="702644" cy="1039528"/>
+          </a:xfrm>
+          <a:prstGeom prst="ellipse">
+            <a:avLst/>
+          </a:prstGeom>
+          <a:ln w="12700">
+            <a:solidFill>
+              <a:schemeClr val="tx1"/>
+            </a:solidFill>
+          </a:ln>
+        </p:spPr>
+        <p:style>
+          <a:lnRef idx="2">
+            <a:schemeClr val="accent1">
+              <a:shade val="50000"/>
+            </a:schemeClr>
+          </a:lnRef>
+          <a:fillRef idx="1">
+            <a:schemeClr val="accent1"/>
+          </a:fillRef>
+          <a:effectRef idx="0">
+            <a:schemeClr val="accent1"/>
+          </a:effectRef>
+          <a:fontRef idx="minor">
+            <a:schemeClr val="lt1"/>
+          </a:fontRef>
+        </p:style>
+        <p:txBody>
+          <a:bodyPr rtlCol="0" anchor="ctr"/>
+          <a:lstStyle/>
+          <a:p>
+            <a:pPr algn="ctr"/>
+            <a:endParaRPr lang="ko-KR" altLang="en-US" sz="1600" dirty="0">
+              <a:solidFill>
+                <a:schemeClr val="tx1">
+                  <a:lumMod val="75000"/>
+                  <a:lumOff val="25000"/>
+                </a:schemeClr>
+              </a:solidFill>
+              <a:latin typeface="HY바다L" pitchFamily="18" charset="-127"/>
+              <a:ea typeface="HY바다L" pitchFamily="18" charset="-127"/>
+            </a:endParaRPr>
+          </a:p>
+        </p:txBody>
+      </p:sp>
+      <p:sp>
+        <p:nvSpPr>
+          <p:cNvPr id="19" name="직사각형 18">
+            <a:extLst>
+              <a:ext uri="{FF2B5EF4-FFF2-40B4-BE49-F238E27FC236}">
+                <a16:creationId xmlns:a16="http://schemas.microsoft.com/office/drawing/2014/main" id="{E905EF92-4940-43B3-9717-BC2970B7DE6E}"/>
+              </a:ext>
+            </a:extLst>
+          </p:cNvPr>
+          <p:cNvSpPr/>
+          <p:nvPr/>
+        </p:nvSpPr>
+        <p:spPr>
+          <a:xfrm>
+            <a:off x="1545753" y="4434837"/>
+            <a:ext cx="875899" cy="163629"/>
+          </a:xfrm>
+          <a:prstGeom prst="rect">
+            <a:avLst/>
+          </a:prstGeom>
+          <a:ln w="12700">
+            <a:solidFill>
+              <a:schemeClr val="tx1"/>
+            </a:solidFill>
+          </a:ln>
+        </p:spPr>
+        <p:style>
+          <a:lnRef idx="2">
+            <a:schemeClr val="accent1">
+              <a:shade val="50000"/>
+            </a:schemeClr>
+          </a:lnRef>
+          <a:fillRef idx="1">
+            <a:schemeClr val="accent1"/>
+          </a:fillRef>
+          <a:effectRef idx="0">
+            <a:schemeClr val="accent1"/>
+          </a:effectRef>
+          <a:fontRef idx="minor">
+            <a:schemeClr val="lt1"/>
+          </a:fontRef>
+        </p:style>
+        <p:txBody>
+          <a:bodyPr rtlCol="0" anchor="ctr"/>
+          <a:lstStyle/>
+          <a:p>
+            <a:pPr algn="ctr"/>
+            <a:endParaRPr lang="ko-KR" altLang="en-US" sz="1600" dirty="0">
+              <a:solidFill>
+                <a:schemeClr val="tx1">
+                  <a:lumMod val="75000"/>
+                  <a:lumOff val="25000"/>
+                </a:schemeClr>
+              </a:solidFill>
+              <a:latin typeface="HY바다L" pitchFamily="18" charset="-127"/>
+              <a:ea typeface="HY바다L" pitchFamily="18" charset="-127"/>
+            </a:endParaRPr>
+          </a:p>
+        </p:txBody>
+      </p:sp>
+      <p:sp>
+        <p:nvSpPr>
+          <p:cNvPr id="20" name="직사각형 19">
+            <a:extLst>
+              <a:ext uri="{FF2B5EF4-FFF2-40B4-BE49-F238E27FC236}">
+                <a16:creationId xmlns:a16="http://schemas.microsoft.com/office/drawing/2014/main" id="{4D92A6C4-AD2C-46BC-ABD0-60F4E9839E00}"/>
+              </a:ext>
+            </a:extLst>
+          </p:cNvPr>
+          <p:cNvSpPr/>
+          <p:nvPr/>
+        </p:nvSpPr>
+        <p:spPr>
+          <a:xfrm>
+            <a:off x="3384177" y="5070670"/>
+            <a:ext cx="875899" cy="163629"/>
+          </a:xfrm>
+          <a:prstGeom prst="rect">
+            <a:avLst/>
+          </a:prstGeom>
+          <a:ln w="12700">
+            <a:solidFill>
+              <a:schemeClr val="tx1"/>
+            </a:solidFill>
+          </a:ln>
+        </p:spPr>
+        <p:style>
+          <a:lnRef idx="2">
+            <a:schemeClr val="accent1">
+              <a:shade val="50000"/>
+            </a:schemeClr>
+          </a:lnRef>
+          <a:fillRef idx="1">
+            <a:schemeClr val="accent1"/>
+          </a:fillRef>
+          <a:effectRef idx="0">
+            <a:schemeClr val="accent1"/>
+          </a:effectRef>
+          <a:fontRef idx="minor">
+            <a:schemeClr val="lt1"/>
+          </a:fontRef>
+        </p:style>
+        <p:txBody>
+          <a:bodyPr rtlCol="0" anchor="ctr"/>
+          <a:lstStyle/>
+          <a:p>
+            <a:pPr algn="ctr"/>
+            <a:endParaRPr lang="ko-KR" altLang="en-US" sz="1600" dirty="0">
+              <a:solidFill>
+                <a:schemeClr val="tx1">
+                  <a:lumMod val="75000"/>
+                  <a:lumOff val="25000"/>
+                </a:schemeClr>
+              </a:solidFill>
+              <a:latin typeface="HY바다L" pitchFamily="18" charset="-127"/>
+              <a:ea typeface="HY바다L" pitchFamily="18" charset="-127"/>
+            </a:endParaRPr>
+          </a:p>
+        </p:txBody>
+      </p:sp>
+      <p:sp>
+        <p:nvSpPr>
+          <p:cNvPr id="21" name="직사각형 20">
+            <a:extLst>
+              <a:ext uri="{FF2B5EF4-FFF2-40B4-BE49-F238E27FC236}">
+                <a16:creationId xmlns:a16="http://schemas.microsoft.com/office/drawing/2014/main" id="{CF9E2A4E-4E2F-4C8C-8A7D-5D64080CB3E0}"/>
+              </a:ext>
+            </a:extLst>
+          </p:cNvPr>
+          <p:cNvSpPr/>
+          <p:nvPr/>
+        </p:nvSpPr>
+        <p:spPr>
+          <a:xfrm>
+            <a:off x="4260076" y="4421038"/>
+            <a:ext cx="962526" cy="1424539"/>
+          </a:xfrm>
+          <a:prstGeom prst="rect">
+            <a:avLst/>
+          </a:prstGeom>
+          <a:ln w="12700">
+            <a:solidFill>
+              <a:schemeClr val="tx1"/>
+            </a:solidFill>
+          </a:ln>
+        </p:spPr>
+        <p:style>
+          <a:lnRef idx="2">
+            <a:schemeClr val="accent1">
+              <a:shade val="50000"/>
+            </a:schemeClr>
+          </a:lnRef>
+          <a:fillRef idx="1">
+            <a:schemeClr val="accent1"/>
+          </a:fillRef>
+          <a:effectRef idx="0">
+            <a:schemeClr val="accent1"/>
+          </a:effectRef>
+          <a:fontRef idx="minor">
+            <a:schemeClr val="lt1"/>
+          </a:fontRef>
+        </p:style>
+        <p:txBody>
+          <a:bodyPr rtlCol="0" anchor="ctr"/>
+          <a:lstStyle/>
+          <a:p>
+            <a:pPr algn="ctr"/>
+            <a:endParaRPr lang="ko-KR" altLang="en-US" sz="1600" dirty="0">
+              <a:solidFill>
+                <a:schemeClr val="tx1">
+                  <a:lumMod val="75000"/>
+                  <a:lumOff val="25000"/>
+                </a:schemeClr>
+              </a:solidFill>
+              <a:latin typeface="HY바다L" pitchFamily="18" charset="-127"/>
+              <a:ea typeface="HY바다L" pitchFamily="18" charset="-127"/>
+            </a:endParaRPr>
+          </a:p>
+        </p:txBody>
+      </p:sp>
+      <p:sp>
+        <p:nvSpPr>
+          <p:cNvPr id="2" name="TextBox 1">
+            <a:extLst>
+              <a:ext uri="{FF2B5EF4-FFF2-40B4-BE49-F238E27FC236}">
+                <a16:creationId xmlns:a16="http://schemas.microsoft.com/office/drawing/2014/main" id="{F4C00F67-2DAC-4BA8-829D-77EEE96FB1F4}"/>
+              </a:ext>
+            </a:extLst>
+          </p:cNvPr>
+          <p:cNvSpPr txBox="1"/>
+          <p:nvPr/>
+        </p:nvSpPr>
+        <p:spPr>
+          <a:xfrm>
+            <a:off x="1545753" y="3886197"/>
+            <a:ext cx="2238113" cy="369332"/>
+          </a:xfrm>
+          <a:prstGeom prst="rect">
+            <a:avLst/>
+          </a:prstGeom>
+          <a:noFill/>
+        </p:spPr>
+        <p:txBody>
+          <a:bodyPr wrap="none" rtlCol="0">
+            <a:spAutoFit/>
+          </a:bodyPr>
+          <a:lstStyle/>
+          <a:p>
+            <a:r>
+              <a:rPr lang="ko-KR" altLang="en-US" dirty="0"/>
+              <a:t>멀티 싱크 인풋 필터</a:t>
+            </a:r>
+          </a:p>
+        </p:txBody>
+      </p:sp>
+      <p:sp>
+        <p:nvSpPr>
+          <p:cNvPr id="22" name="TextBox 21">
+            <a:extLst>
+              <a:ext uri="{FF2B5EF4-FFF2-40B4-BE49-F238E27FC236}">
+                <a16:creationId xmlns:a16="http://schemas.microsoft.com/office/drawing/2014/main" id="{1C4921B9-6873-4B87-9660-CD0BE0332C9B}"/>
+              </a:ext>
+            </a:extLst>
+          </p:cNvPr>
+          <p:cNvSpPr txBox="1"/>
+          <p:nvPr/>
+        </p:nvSpPr>
+        <p:spPr>
+          <a:xfrm>
+            <a:off x="4421099" y="3905299"/>
+            <a:ext cx="1707519" cy="369332"/>
+          </a:xfrm>
+          <a:prstGeom prst="rect">
+            <a:avLst/>
+          </a:prstGeom>
+          <a:noFill/>
+        </p:spPr>
+        <p:txBody>
+          <a:bodyPr wrap="none" rtlCol="0">
+            <a:spAutoFit/>
+          </a:bodyPr>
+          <a:lstStyle/>
+          <a:p>
+            <a:r>
+              <a:rPr lang="ko-KR" altLang="en-US" dirty="0"/>
+              <a:t>멀티 아웃 필터</a:t>
+            </a:r>
+          </a:p>
+        </p:txBody>
+      </p:sp>
+    </p:spTree>
+    <p:extLst>
+      <p:ext uri="{BB962C8B-B14F-4D97-AF65-F5344CB8AC3E}">
+        <p14:creationId xmlns:p14="http://schemas.microsoft.com/office/powerpoint/2010/main" val="1282797849"/>
+      </p:ext>
+    </p:extLst>
+  </p:cSld>
+  <p:clrMapOvr>
+    <a:masterClrMapping/>
+  </p:clrMapOvr>
+</p:sld>
+</file>
+
+<file path=ppt/slides/slide45.xml><?xml version="1.0" encoding="utf-8"?>
+<p:sld xmlns:a="http://schemas.openxmlformats.org/drawingml/2006/main" xmlns:r="http://schemas.openxmlformats.org/officeDocument/2006/relationships" xmlns:p="http://schemas.openxmlformats.org/presentationml/2006/main">
+  <p:cSld>
+    <p:spTree>
+      <p:nvGrpSpPr>
+        <p:cNvPr id="1" name=""/>
+        <p:cNvGrpSpPr/>
+        <p:nvPr/>
+      </p:nvGrpSpPr>
+      <p:grpSpPr>
+        <a:xfrm>
+          <a:off x="0" y="0"/>
+          <a:ext cx="0" cy="0"/>
+          <a:chOff x="0" y="0"/>
+          <a:chExt cx="0" cy="0"/>
+        </a:xfrm>
+      </p:grpSpPr>
+      <p:sp>
+        <p:nvSpPr>
           <p:cNvPr id="55298" name="Rectangle 2"/>
           <p:cNvSpPr>
             <a:spLocks noGrp="1" noChangeArrowheads="1"/>
